--- a/project_2/docs/JaeKim_ProjectProposal.pptx
+++ b/project_2/docs/JaeKim_ProjectProposal.pptx
@@ -13,8 +13,8 @@
   <p:sldIdLst>
     <p:sldId id="261" r:id="rId2"/>
     <p:sldId id="371" r:id="rId3"/>
-    <p:sldId id="374" r:id="rId4"/>
-    <p:sldId id="372" r:id="rId5"/>
+    <p:sldId id="372" r:id="rId4"/>
+    <p:sldId id="373" r:id="rId5"/>
   </p:sldIdLst>
   <p:sldSz cx="12192000" cy="6858000"/>
   <p:notesSz cx="6858000" cy="9144000"/>
@@ -15185,7 +15185,7 @@
           <a:p>
             <a:r>
               <a:rPr lang="en-US" dirty="0"/>
-              <a:t>Background Information</a:t>
+              <a:t>Board Functionality</a:t>
             </a:r>
           </a:p>
         </p:txBody>
@@ -15213,67 +15213,34 @@
           <a:p>
             <a:r>
               <a:rPr lang="en-US" dirty="0"/>
-              <a:t>My project proposal is for a voice-controlled car</a:t>
-            </a:r>
-          </a:p>
-          <a:p>
-            <a:r>
-              <a:rPr lang="en-US" dirty="0"/>
-              <a:t>The idea is to essentially create a “remote” controlled car but in place of the remote will be a speech-to-text </a:t>
-            </a:r>
-            <a:r>
-              <a:rPr lang="en-US" dirty="0" err="1"/>
-              <a:t>api</a:t>
-            </a:r>
-            <a:r>
-              <a:rPr lang="en-US" dirty="0"/>
-              <a:t> that will detect when someone says certain keyword commands (such as forward, right, left, backward, stop) to move</a:t>
+              <a:t>This board should connect:</a:t>
             </a:r>
           </a:p>
           <a:p>
             <a:pPr lvl="1"/>
             <a:r>
               <a:rPr lang="en-US" dirty="0"/>
-              <a:t>The </a:t>
-            </a:r>
-            <a:r>
-              <a:rPr lang="en-US" dirty="0" err="1"/>
-              <a:t>api</a:t>
-            </a:r>
-            <a:r>
-              <a:rPr lang="en-US" dirty="0"/>
-              <a:t>/microphone used for text-to-speech could be on the PocketBeagle/car itself </a:t>
+              <a:t>GPIO pins on the PocketBeagle to the motor drivers as well as provide power</a:t>
             </a:r>
           </a:p>
           <a:p>
             <a:pPr lvl="1"/>
             <a:r>
               <a:rPr lang="en-US" dirty="0"/>
-              <a:t>Useful library: https://pypi.org/project/SpeechRecognition/</a:t>
-            </a:r>
-          </a:p>
-          <a:p>
-            <a:r>
-              <a:rPr lang="en-US" dirty="0"/>
-              <a:t>There is an existing project for creating a remote-controlled car using the PocketBeagle controlled via Bluetooth (</a:t>
-            </a:r>
-            <a:r>
-              <a:rPr lang="en-US" dirty="0">
-                <a:hlinkClick r:id="rId2"/>
-              </a:rPr>
-              <a:t>https://www.hackster.io/christina-mezmur/remote-control-car-w-pocketbeagle-and-arduino-f2b006</a:t>
-            </a:r>
-            <a:r>
-              <a:rPr lang="en-US" dirty="0"/>
-              <a:t>)</a:t>
+              <a:t>Appropriate pins on the motor drivers to the motors</a:t>
             </a:r>
           </a:p>
           <a:p>
             <a:pPr lvl="1"/>
             <a:r>
               <a:rPr lang="en-US" dirty="0"/>
-              <a:t>The main change to this existing project would be to convert from a Bluetooth controlled model to a text-to-speech controlled model</a:t>
+              <a:t>Connect P1_7, P1_9, P1_11, P1_13, and P1_15 on the PocketBeagle to a micro-USB input for the </a:t>
             </a:r>
+            <a:r>
+              <a:rPr lang="en-US"/>
+              <a:t>audio adapter</a:t>
+            </a:r>
+            <a:endParaRPr lang="en-US" dirty="0"/>
           </a:p>
         </p:txBody>
       </p:sp>
@@ -15324,165 +15291,6 @@
           <p:cNvPr id="2" name="Title 1">
             <a:extLst>
               <a:ext uri="{FF2B5EF4-FFF2-40B4-BE49-F238E27FC236}">
-                <a16:creationId xmlns:a16="http://schemas.microsoft.com/office/drawing/2014/main" id="{9ECF10EF-4BB0-4058-9371-34C799DCE944}"/>
-              </a:ext>
-            </a:extLst>
-          </p:cNvPr>
-          <p:cNvSpPr>
-            <a:spLocks noGrp="1"/>
-          </p:cNvSpPr>
-          <p:nvPr>
-            <p:ph type="title"/>
-          </p:nvPr>
-        </p:nvSpPr>
-        <p:spPr/>
-        <p:txBody>
-          <a:bodyPr/>
-          <a:lstStyle/>
-          <a:p>
-            <a:r>
-              <a:rPr lang="en-US" dirty="0"/>
-              <a:t>Supported Voice Commands</a:t>
-            </a:r>
-          </a:p>
-        </p:txBody>
-      </p:sp>
-      <p:sp>
-        <p:nvSpPr>
-          <p:cNvPr id="3" name="Content Placeholder 2">
-            <a:extLst>
-              <a:ext uri="{FF2B5EF4-FFF2-40B4-BE49-F238E27FC236}">
-                <a16:creationId xmlns:a16="http://schemas.microsoft.com/office/drawing/2014/main" id="{AFDE4933-39E5-4413-BF56-E000E61891F2}"/>
-              </a:ext>
-            </a:extLst>
-          </p:cNvPr>
-          <p:cNvSpPr>
-            <a:spLocks noGrp="1"/>
-          </p:cNvSpPr>
-          <p:nvPr>
-            <p:ph idx="1"/>
-          </p:nvPr>
-        </p:nvSpPr>
-        <p:spPr/>
-        <p:txBody>
-          <a:bodyPr>
-            <a:normAutofit lnSpcReduction="10000"/>
-          </a:bodyPr>
-          <a:lstStyle/>
-          <a:p>
-            <a:r>
-              <a:rPr lang="en-US" dirty="0"/>
-              <a:t>Forward</a:t>
-            </a:r>
-          </a:p>
-          <a:p>
-            <a:pPr lvl="1"/>
-            <a:r>
-              <a:rPr lang="en-US" dirty="0"/>
-              <a:t>Move the car in the “forward” direction a specified distance (all wheels spin at same speed in same direction)</a:t>
-            </a:r>
-          </a:p>
-          <a:p>
-            <a:r>
-              <a:rPr lang="en-US" dirty="0"/>
-              <a:t>Backward</a:t>
-            </a:r>
-          </a:p>
-          <a:p>
-            <a:pPr lvl="1"/>
-            <a:r>
-              <a:rPr lang="en-US" dirty="0"/>
-              <a:t>Move the car in the “backward” direction a specified distance (all wheels spin at same speed in same direction)</a:t>
-            </a:r>
-          </a:p>
-          <a:p>
-            <a:r>
-              <a:rPr lang="en-US" dirty="0"/>
-              <a:t>Right</a:t>
-            </a:r>
-          </a:p>
-          <a:p>
-            <a:pPr lvl="1"/>
-            <a:r>
-              <a:rPr lang="en-US" dirty="0"/>
-              <a:t>Turn the car in the “right” direction 90° (left side wheels spin faster than right side wheels)</a:t>
-            </a:r>
-          </a:p>
-          <a:p>
-            <a:r>
-              <a:rPr lang="en-US" dirty="0"/>
-              <a:t>Left</a:t>
-            </a:r>
-          </a:p>
-          <a:p>
-            <a:pPr lvl="1"/>
-            <a:r>
-              <a:rPr lang="en-US" dirty="0"/>
-              <a:t>Turn the car in the “left” direction 90° (right side wheels spin faster than left side wheels)</a:t>
-            </a:r>
-          </a:p>
-          <a:p>
-            <a:r>
-              <a:rPr lang="en-US" dirty="0"/>
-              <a:t>Stop</a:t>
-            </a:r>
-          </a:p>
-          <a:p>
-            <a:pPr lvl="1"/>
-            <a:r>
-              <a:rPr lang="en-US" dirty="0"/>
-              <a:t>Make sure all wheels are not turning</a:t>
-            </a:r>
-          </a:p>
-        </p:txBody>
-      </p:sp>
-    </p:spTree>
-    <p:extLst>
-      <p:ext uri="{BB962C8B-B14F-4D97-AF65-F5344CB8AC3E}">
-        <p14:creationId xmlns:p14="http://schemas.microsoft.com/office/powerpoint/2010/main" val="2601657876"/>
-      </p:ext>
-    </p:extLst>
-  </p:cSld>
-  <p:clrMapOvr>
-    <a:masterClrMapping/>
-  </p:clrMapOvr>
-  <mc:AlternateContent xmlns:mc="http://schemas.openxmlformats.org/markup-compatibility/2006" xmlns:p14="http://schemas.microsoft.com/office/powerpoint/2010/main">
-    <mc:Choice Requires="p14">
-      <p:transition spd="med" p14:dur="700">
-        <p:fade/>
-      </p:transition>
-    </mc:Choice>
-    <mc:Fallback xmlns="">
-      <p:transition spd="med">
-        <p:fade/>
-      </p:transition>
-    </mc:Fallback>
-  </mc:AlternateContent>
-</p:sld>
-</file>
-
-<file path=ppt/slides/slide4.xml><?xml version="1.0" encoding="utf-8"?>
-<p:sld xmlns:a="http://schemas.openxmlformats.org/drawingml/2006/main" xmlns:r="http://schemas.openxmlformats.org/officeDocument/2006/relationships" xmlns:p="http://schemas.openxmlformats.org/presentationml/2006/main">
-  <p:cSld>
-    <p:spTree>
-      <p:nvGrpSpPr>
-        <p:cNvPr id="1" name=""/>
-        <p:cNvGrpSpPr/>
-        <p:nvPr/>
-      </p:nvGrpSpPr>
-      <p:grpSpPr>
-        <a:xfrm>
-          <a:off x="0" y="0"/>
-          <a:ext cx="0" cy="0"/>
-          <a:chOff x="0" y="0"/>
-          <a:chExt cx="0" cy="0"/>
-        </a:xfrm>
-      </p:grpSpPr>
-      <p:sp>
-        <p:nvSpPr>
-          <p:cNvPr id="2" name="Title 1">
-            <a:extLst>
-              <a:ext uri="{FF2B5EF4-FFF2-40B4-BE49-F238E27FC236}">
                 <a16:creationId xmlns:a16="http://schemas.microsoft.com/office/drawing/2014/main" id="{935B93E4-AB7E-4F3D-B6C5-4ED4B78FA4AF}"/>
               </a:ext>
             </a:extLst>
@@ -15501,7 +15309,7 @@
           <a:p>
             <a:r>
               <a:rPr lang="en-US" dirty="0"/>
-              <a:t>System Block Diagram</a:t>
+              <a:t>Functional Block Diagram</a:t>
             </a:r>
           </a:p>
         </p:txBody>
@@ -15903,7 +15711,7 @@
         <p:spPr>
           <a:xfrm>
             <a:off x="10344150" y="3124200"/>
-            <a:ext cx="1276350" cy="2454444"/>
+            <a:ext cx="1276350" cy="1313710"/>
           </a:xfrm>
           <a:prstGeom prst="roundRect">
             <a:avLst/>
@@ -15936,7 +15744,7 @@
                   <a:schemeClr val="tx1"/>
                 </a:solidFill>
               </a:rPr>
-              <a:t>Motors (x4)</a:t>
+              <a:t>Motor</a:t>
             </a:r>
           </a:p>
         </p:txBody>
@@ -16105,7 +15913,7 @@
         </p:nvSpPr>
         <p:spPr>
           <a:xfrm>
-            <a:off x="10317441" y="4847337"/>
+            <a:off x="10344150" y="4119266"/>
             <a:ext cx="1276350" cy="307777"/>
           </a:xfrm>
           <a:prstGeom prst="rect">
@@ -16144,8 +15952,8 @@
         </p:nvCxnSpPr>
         <p:spPr>
           <a:xfrm flipV="1">
-            <a:off x="8749704" y="5155114"/>
-            <a:ext cx="2205912" cy="13031"/>
+            <a:off x="8749704" y="4427043"/>
+            <a:ext cx="2232621" cy="741102"/>
           </a:xfrm>
           <a:prstGeom prst="line">
             <a:avLst/>
@@ -16384,10 +16192,635 @@
           </a:fontRef>
         </p:style>
       </p:cxnSp>
+      <p:sp>
+        <p:nvSpPr>
+          <p:cNvPr id="26" name="Rectangle: Rounded Corners 25">
+            <a:extLst>
+              <a:ext uri="{FF2B5EF4-FFF2-40B4-BE49-F238E27FC236}">
+                <a16:creationId xmlns:a16="http://schemas.microsoft.com/office/drawing/2014/main" id="{E48399B5-D8C9-4EDF-A8CA-57C0930A5E27}"/>
+              </a:ext>
+            </a:extLst>
+          </p:cNvPr>
+          <p:cNvSpPr/>
+          <p:nvPr/>
+        </p:nvSpPr>
+        <p:spPr>
+          <a:xfrm>
+            <a:off x="10306050" y="4765254"/>
+            <a:ext cx="1276350" cy="1313710"/>
+          </a:xfrm>
+          <a:prstGeom prst="roundRect">
+            <a:avLst/>
+          </a:prstGeom>
+        </p:spPr>
+        <p:style>
+          <a:lnRef idx="2">
+            <a:schemeClr val="accent1">
+              <a:shade val="50000"/>
+            </a:schemeClr>
+          </a:lnRef>
+          <a:fillRef idx="1">
+            <a:schemeClr val="accent1"/>
+          </a:fillRef>
+          <a:effectRef idx="0">
+            <a:schemeClr val="accent1"/>
+          </a:effectRef>
+          <a:fontRef idx="minor">
+            <a:schemeClr val="lt1"/>
+          </a:fontRef>
+        </p:style>
+        <p:txBody>
+          <a:bodyPr rtlCol="0" anchor="ctr"/>
+          <a:lstStyle/>
+          <a:p>
+            <a:pPr algn="ctr"/>
+            <a:r>
+              <a:rPr lang="en-US" dirty="0">
+                <a:solidFill>
+                  <a:schemeClr val="tx1"/>
+                </a:solidFill>
+              </a:rPr>
+              <a:t>Motor</a:t>
+            </a:r>
+          </a:p>
+        </p:txBody>
+      </p:sp>
+      <p:sp>
+        <p:nvSpPr>
+          <p:cNvPr id="28" name="TextBox 27">
+            <a:extLst>
+              <a:ext uri="{FF2B5EF4-FFF2-40B4-BE49-F238E27FC236}">
+                <a16:creationId xmlns:a16="http://schemas.microsoft.com/office/drawing/2014/main" id="{6EF1C56F-2133-4E57-8743-48B5A3F79A15}"/>
+              </a:ext>
+            </a:extLst>
+          </p:cNvPr>
+          <p:cNvSpPr txBox="1"/>
+          <p:nvPr/>
+        </p:nvSpPr>
+        <p:spPr>
+          <a:xfrm>
+            <a:off x="10306050" y="5797981"/>
+            <a:ext cx="1276350" cy="307777"/>
+          </a:xfrm>
+          <a:prstGeom prst="rect">
+            <a:avLst/>
+          </a:prstGeom>
+          <a:noFill/>
+        </p:spPr>
+        <p:txBody>
+          <a:bodyPr wrap="square" rtlCol="0">
+            <a:spAutoFit/>
+          </a:bodyPr>
+          <a:lstStyle/>
+          <a:p>
+            <a:r>
+              <a:rPr lang="en-US" sz="1400" dirty="0"/>
+              <a:t>Motor Power</a:t>
+            </a:r>
+          </a:p>
+        </p:txBody>
+      </p:sp>
+      <p:cxnSp>
+        <p:nvCxnSpPr>
+          <p:cNvPr id="29" name="Straight Connector 28">
+            <a:extLst>
+              <a:ext uri="{FF2B5EF4-FFF2-40B4-BE49-F238E27FC236}">
+                <a16:creationId xmlns:a16="http://schemas.microsoft.com/office/drawing/2014/main" id="{7137DEC5-3BC1-4DE5-AB53-90F10D6964E8}"/>
+              </a:ext>
+            </a:extLst>
+          </p:cNvPr>
+          <p:cNvCxnSpPr>
+            <a:cxnSpLocks/>
+            <a:stCxn id="41" idx="2"/>
+            <a:endCxn id="28" idx="2"/>
+          </p:cNvCxnSpPr>
+          <p:nvPr/>
+        </p:nvCxnSpPr>
+        <p:spPr>
+          <a:xfrm>
+            <a:off x="8749704" y="5168145"/>
+            <a:ext cx="2194521" cy="937613"/>
+          </a:xfrm>
+          <a:prstGeom prst="line">
+            <a:avLst/>
+          </a:prstGeom>
+          <a:ln w="28575">
+            <a:solidFill>
+              <a:schemeClr val="tx1"/>
+            </a:solidFill>
+          </a:ln>
+        </p:spPr>
+        <p:style>
+          <a:lnRef idx="1">
+            <a:schemeClr val="accent1"/>
+          </a:lnRef>
+          <a:fillRef idx="0">
+            <a:schemeClr val="accent1"/>
+          </a:fillRef>
+          <a:effectRef idx="0">
+            <a:schemeClr val="accent1"/>
+          </a:effectRef>
+          <a:fontRef idx="minor">
+            <a:schemeClr val="tx1"/>
+          </a:fontRef>
+        </p:style>
+      </p:cxnSp>
+      <p:cxnSp>
+        <p:nvCxnSpPr>
+          <p:cNvPr id="31" name="Straight Connector 30">
+            <a:extLst>
+              <a:ext uri="{FF2B5EF4-FFF2-40B4-BE49-F238E27FC236}">
+                <a16:creationId xmlns:a16="http://schemas.microsoft.com/office/drawing/2014/main" id="{EA4A1A89-DAC7-47DD-B640-AA06083D8F32}"/>
+              </a:ext>
+            </a:extLst>
+          </p:cNvPr>
+          <p:cNvCxnSpPr>
+            <a:cxnSpLocks/>
+            <a:stCxn id="32" idx="0"/>
+            <a:endCxn id="33" idx="1"/>
+          </p:cNvCxnSpPr>
+          <p:nvPr/>
+        </p:nvCxnSpPr>
+        <p:spPr>
+          <a:xfrm>
+            <a:off x="8782109" y="3556367"/>
+            <a:ext cx="1783021" cy="1362802"/>
+          </a:xfrm>
+          <a:prstGeom prst="line">
+            <a:avLst/>
+          </a:prstGeom>
+          <a:ln w="28575">
+            <a:solidFill>
+              <a:schemeClr val="tx1"/>
+            </a:solidFill>
+          </a:ln>
+        </p:spPr>
+        <p:style>
+          <a:lnRef idx="1">
+            <a:schemeClr val="accent1"/>
+          </a:lnRef>
+          <a:fillRef idx="0">
+            <a:schemeClr val="accent1"/>
+          </a:fillRef>
+          <a:effectRef idx="0">
+            <a:schemeClr val="accent1"/>
+          </a:effectRef>
+          <a:fontRef idx="minor">
+            <a:schemeClr val="tx1"/>
+          </a:fontRef>
+        </p:style>
+      </p:cxnSp>
+      <p:sp>
+        <p:nvSpPr>
+          <p:cNvPr id="33" name="TextBox 32">
+            <a:extLst>
+              <a:ext uri="{FF2B5EF4-FFF2-40B4-BE49-F238E27FC236}">
+                <a16:creationId xmlns:a16="http://schemas.microsoft.com/office/drawing/2014/main" id="{26C40659-EB59-4C14-8A68-F654495E7700}"/>
+              </a:ext>
+            </a:extLst>
+          </p:cNvPr>
+          <p:cNvSpPr txBox="1"/>
+          <p:nvPr/>
+        </p:nvSpPr>
+        <p:spPr>
+          <a:xfrm>
+            <a:off x="10565130" y="4765280"/>
+            <a:ext cx="784860" cy="307777"/>
+          </a:xfrm>
+          <a:prstGeom prst="rect">
+            <a:avLst/>
+          </a:prstGeom>
+          <a:noFill/>
+        </p:spPr>
+        <p:txBody>
+          <a:bodyPr wrap="square" rtlCol="0">
+            <a:spAutoFit/>
+          </a:bodyPr>
+          <a:lstStyle/>
+          <a:p>
+            <a:r>
+              <a:rPr lang="en-US" sz="1400" dirty="0"/>
+              <a:t>Input</a:t>
+            </a:r>
+          </a:p>
+        </p:txBody>
+      </p:sp>
     </p:spTree>
     <p:extLst>
       <p:ext uri="{BB962C8B-B14F-4D97-AF65-F5344CB8AC3E}">
         <p14:creationId xmlns:p14="http://schemas.microsoft.com/office/powerpoint/2010/main" val="4094898917"/>
+      </p:ext>
+    </p:extLst>
+  </p:cSld>
+  <p:clrMapOvr>
+    <a:masterClrMapping/>
+  </p:clrMapOvr>
+  <mc:AlternateContent xmlns:mc="http://schemas.openxmlformats.org/markup-compatibility/2006" xmlns:p14="http://schemas.microsoft.com/office/powerpoint/2010/main">
+    <mc:Choice Requires="p14">
+      <p:transition spd="med" p14:dur="700">
+        <p:fade/>
+      </p:transition>
+    </mc:Choice>
+    <mc:Fallback xmlns="">
+      <p:transition spd="med">
+        <p:fade/>
+      </p:transition>
+    </mc:Fallback>
+  </mc:AlternateContent>
+</p:sld>
+</file>
+
+<file path=ppt/slides/slide4.xml><?xml version="1.0" encoding="utf-8"?>
+<p:sld xmlns:a="http://schemas.openxmlformats.org/drawingml/2006/main" xmlns:r="http://schemas.openxmlformats.org/officeDocument/2006/relationships" xmlns:p="http://schemas.openxmlformats.org/presentationml/2006/main">
+  <p:cSld>
+    <p:spTree>
+      <p:nvGrpSpPr>
+        <p:cNvPr id="1" name=""/>
+        <p:cNvGrpSpPr/>
+        <p:nvPr/>
+      </p:nvGrpSpPr>
+      <p:grpSpPr>
+        <a:xfrm>
+          <a:off x="0" y="0"/>
+          <a:ext cx="0" cy="0"/>
+          <a:chOff x="0" y="0"/>
+          <a:chExt cx="0" cy="0"/>
+        </a:xfrm>
+      </p:grpSpPr>
+      <p:sp>
+        <p:nvSpPr>
+          <p:cNvPr id="2" name="Title 1">
+            <a:extLst>
+              <a:ext uri="{FF2B5EF4-FFF2-40B4-BE49-F238E27FC236}">
+                <a16:creationId xmlns:a16="http://schemas.microsoft.com/office/drawing/2014/main" id="{2A767E87-68F0-4282-B3F2-A172145DBDCA}"/>
+              </a:ext>
+            </a:extLst>
+          </p:cNvPr>
+          <p:cNvSpPr>
+            <a:spLocks noGrp="1"/>
+          </p:cNvSpPr>
+          <p:nvPr>
+            <p:ph type="title"/>
+          </p:nvPr>
+        </p:nvSpPr>
+        <p:spPr/>
+        <p:txBody>
+          <a:bodyPr/>
+          <a:lstStyle/>
+          <a:p>
+            <a:r>
+              <a:rPr lang="en-US" dirty="0"/>
+              <a:t>Mechanical Block Diagram</a:t>
+            </a:r>
+          </a:p>
+        </p:txBody>
+      </p:sp>
+      <p:sp>
+        <p:nvSpPr>
+          <p:cNvPr id="5" name="Rectangle 4">
+            <a:extLst>
+              <a:ext uri="{FF2B5EF4-FFF2-40B4-BE49-F238E27FC236}">
+                <a16:creationId xmlns:a16="http://schemas.microsoft.com/office/drawing/2014/main" id="{FB0D97F0-5A64-46E8-BB3F-9738CE4C9EED}"/>
+              </a:ext>
+            </a:extLst>
+          </p:cNvPr>
+          <p:cNvSpPr/>
+          <p:nvPr/>
+        </p:nvSpPr>
+        <p:spPr>
+          <a:xfrm>
+            <a:off x="3048000" y="1714500"/>
+            <a:ext cx="6096000" cy="3429000"/>
+          </a:xfrm>
+          <a:prstGeom prst="rect">
+            <a:avLst/>
+          </a:prstGeom>
+          <a:noFill/>
+          <a:ln w="28575"/>
+        </p:spPr>
+        <p:style>
+          <a:lnRef idx="2">
+            <a:schemeClr val="accent1">
+              <a:shade val="50000"/>
+            </a:schemeClr>
+          </a:lnRef>
+          <a:fillRef idx="1">
+            <a:schemeClr val="accent1"/>
+          </a:fillRef>
+          <a:effectRef idx="0">
+            <a:schemeClr val="accent1"/>
+          </a:effectRef>
+          <a:fontRef idx="minor">
+            <a:schemeClr val="lt1"/>
+          </a:fontRef>
+        </p:style>
+        <p:txBody>
+          <a:bodyPr rtlCol="0" anchor="ctr"/>
+          <a:lstStyle/>
+          <a:p>
+            <a:pPr algn="ctr"/>
+            <a:endParaRPr lang="en-US"/>
+          </a:p>
+        </p:txBody>
+      </p:sp>
+      <p:sp>
+        <p:nvSpPr>
+          <p:cNvPr id="6" name="Rectangle: Rounded Corners 5">
+            <a:extLst>
+              <a:ext uri="{FF2B5EF4-FFF2-40B4-BE49-F238E27FC236}">
+                <a16:creationId xmlns:a16="http://schemas.microsoft.com/office/drawing/2014/main" id="{581DEE29-6AFF-45BC-8FDD-1EE7225C0114}"/>
+              </a:ext>
+            </a:extLst>
+          </p:cNvPr>
+          <p:cNvSpPr/>
+          <p:nvPr/>
+        </p:nvSpPr>
+        <p:spPr>
+          <a:xfrm>
+            <a:off x="6743700" y="2857499"/>
+            <a:ext cx="2019300" cy="1143000"/>
+          </a:xfrm>
+          <a:prstGeom prst="roundRect">
+            <a:avLst/>
+          </a:prstGeom>
+        </p:spPr>
+        <p:style>
+          <a:lnRef idx="2">
+            <a:schemeClr val="accent1">
+              <a:shade val="50000"/>
+            </a:schemeClr>
+          </a:lnRef>
+          <a:fillRef idx="1">
+            <a:schemeClr val="accent1"/>
+          </a:fillRef>
+          <a:effectRef idx="0">
+            <a:schemeClr val="accent1"/>
+          </a:effectRef>
+          <a:fontRef idx="minor">
+            <a:schemeClr val="lt1"/>
+          </a:fontRef>
+        </p:style>
+        <p:txBody>
+          <a:bodyPr rtlCol="0" anchor="ctr"/>
+          <a:lstStyle/>
+          <a:p>
+            <a:pPr algn="ctr"/>
+            <a:r>
+              <a:rPr lang="en-US" dirty="0"/>
+              <a:t>PocketBeagle</a:t>
+            </a:r>
+          </a:p>
+          <a:p>
+            <a:pPr algn="ctr"/>
+            <a:r>
+              <a:rPr lang="en-US" dirty="0"/>
+              <a:t>2.3” x 1.5”</a:t>
+            </a:r>
+          </a:p>
+        </p:txBody>
+      </p:sp>
+      <p:sp>
+        <p:nvSpPr>
+          <p:cNvPr id="7" name="Rectangle: Rounded Corners 6">
+            <a:extLst>
+              <a:ext uri="{FF2B5EF4-FFF2-40B4-BE49-F238E27FC236}">
+                <a16:creationId xmlns:a16="http://schemas.microsoft.com/office/drawing/2014/main" id="{C3562EE9-C43D-4DC6-8DBE-D8020FE9ECC8}"/>
+              </a:ext>
+            </a:extLst>
+          </p:cNvPr>
+          <p:cNvSpPr/>
+          <p:nvPr/>
+        </p:nvSpPr>
+        <p:spPr>
+          <a:xfrm>
+            <a:off x="5067300" y="1941196"/>
+            <a:ext cx="1562100" cy="1036319"/>
+          </a:xfrm>
+          <a:prstGeom prst="roundRect">
+            <a:avLst/>
+          </a:prstGeom>
+        </p:spPr>
+        <p:style>
+          <a:lnRef idx="2">
+            <a:schemeClr val="accent1">
+              <a:shade val="50000"/>
+            </a:schemeClr>
+          </a:lnRef>
+          <a:fillRef idx="1">
+            <a:schemeClr val="accent1"/>
+          </a:fillRef>
+          <a:effectRef idx="0">
+            <a:schemeClr val="accent1"/>
+          </a:effectRef>
+          <a:fontRef idx="minor">
+            <a:schemeClr val="lt1"/>
+          </a:fontRef>
+        </p:style>
+        <p:txBody>
+          <a:bodyPr rtlCol="0" anchor="ctr"/>
+          <a:lstStyle/>
+          <a:p>
+            <a:pPr algn="ctr"/>
+            <a:r>
+              <a:rPr lang="en-US" dirty="0"/>
+              <a:t>Motor Driver</a:t>
+            </a:r>
+          </a:p>
+          <a:p>
+            <a:pPr algn="ctr"/>
+            <a:r>
+              <a:rPr lang="en-US" dirty="0"/>
+              <a:t>1.5” x .75”</a:t>
+            </a:r>
+          </a:p>
+        </p:txBody>
+      </p:sp>
+      <p:sp>
+        <p:nvSpPr>
+          <p:cNvPr id="8" name="Rectangle: Rounded Corners 7">
+            <a:extLst>
+              <a:ext uri="{FF2B5EF4-FFF2-40B4-BE49-F238E27FC236}">
+                <a16:creationId xmlns:a16="http://schemas.microsoft.com/office/drawing/2014/main" id="{F3F77A50-7026-4717-9818-0085BB938B05}"/>
+              </a:ext>
+            </a:extLst>
+          </p:cNvPr>
+          <p:cNvSpPr/>
+          <p:nvPr/>
+        </p:nvSpPr>
+        <p:spPr>
+          <a:xfrm>
+            <a:off x="5067300" y="3880485"/>
+            <a:ext cx="1562100" cy="1036319"/>
+          </a:xfrm>
+          <a:prstGeom prst="roundRect">
+            <a:avLst/>
+          </a:prstGeom>
+        </p:spPr>
+        <p:style>
+          <a:lnRef idx="2">
+            <a:schemeClr val="accent1">
+              <a:shade val="50000"/>
+            </a:schemeClr>
+          </a:lnRef>
+          <a:fillRef idx="1">
+            <a:schemeClr val="accent1"/>
+          </a:fillRef>
+          <a:effectRef idx="0">
+            <a:schemeClr val="accent1"/>
+          </a:effectRef>
+          <a:fontRef idx="minor">
+            <a:schemeClr val="lt1"/>
+          </a:fontRef>
+        </p:style>
+        <p:txBody>
+          <a:bodyPr rtlCol="0" anchor="ctr"/>
+          <a:lstStyle/>
+          <a:p>
+            <a:pPr algn="ctr"/>
+            <a:r>
+              <a:rPr lang="en-US" dirty="0"/>
+              <a:t>Motor Driver</a:t>
+            </a:r>
+          </a:p>
+          <a:p>
+            <a:pPr algn="ctr"/>
+            <a:r>
+              <a:rPr lang="en-US" dirty="0"/>
+              <a:t>1.5” x .75”</a:t>
+            </a:r>
+          </a:p>
+        </p:txBody>
+      </p:sp>
+      <p:sp>
+        <p:nvSpPr>
+          <p:cNvPr id="9" name="Rectangle: Rounded Corners 8">
+            <a:extLst>
+              <a:ext uri="{FF2B5EF4-FFF2-40B4-BE49-F238E27FC236}">
+                <a16:creationId xmlns:a16="http://schemas.microsoft.com/office/drawing/2014/main" id="{F686A5AE-CF88-428E-A815-07CD19EB3CA5}"/>
+              </a:ext>
+            </a:extLst>
+          </p:cNvPr>
+          <p:cNvSpPr/>
+          <p:nvPr/>
+        </p:nvSpPr>
+        <p:spPr>
+          <a:xfrm>
+            <a:off x="3352800" y="3007995"/>
+            <a:ext cx="1371600" cy="842009"/>
+          </a:xfrm>
+          <a:prstGeom prst="roundRect">
+            <a:avLst/>
+          </a:prstGeom>
+        </p:spPr>
+        <p:style>
+          <a:lnRef idx="2">
+            <a:schemeClr val="accent1">
+              <a:shade val="50000"/>
+            </a:schemeClr>
+          </a:lnRef>
+          <a:fillRef idx="1">
+            <a:schemeClr val="accent1"/>
+          </a:fillRef>
+          <a:effectRef idx="0">
+            <a:schemeClr val="accent1"/>
+          </a:effectRef>
+          <a:fontRef idx="minor">
+            <a:schemeClr val="lt1"/>
+          </a:fontRef>
+        </p:style>
+        <p:txBody>
+          <a:bodyPr rtlCol="0" anchor="ctr"/>
+          <a:lstStyle/>
+          <a:p>
+            <a:pPr algn="ctr"/>
+            <a:r>
+              <a:rPr lang="en-US" dirty="0"/>
+              <a:t>Micro-USB Input</a:t>
+            </a:r>
+          </a:p>
+          <a:p>
+            <a:pPr algn="ctr"/>
+            <a:r>
+              <a:rPr lang="en-US" dirty="0"/>
+              <a:t>.35” x .25”</a:t>
+            </a:r>
+          </a:p>
+        </p:txBody>
+      </p:sp>
+      <p:sp>
+        <p:nvSpPr>
+          <p:cNvPr id="10" name="TextBox 9">
+            <a:extLst>
+              <a:ext uri="{FF2B5EF4-FFF2-40B4-BE49-F238E27FC236}">
+                <a16:creationId xmlns:a16="http://schemas.microsoft.com/office/drawing/2014/main" id="{CCDCB727-D1AA-4948-A412-D6D9BCFFC896}"/>
+              </a:ext>
+            </a:extLst>
+          </p:cNvPr>
+          <p:cNvSpPr txBox="1"/>
+          <p:nvPr/>
+        </p:nvSpPr>
+        <p:spPr>
+          <a:xfrm>
+            <a:off x="5734050" y="5345667"/>
+            <a:ext cx="723900" cy="369332"/>
+          </a:xfrm>
+          <a:prstGeom prst="rect">
+            <a:avLst/>
+          </a:prstGeom>
+          <a:noFill/>
+        </p:spPr>
+        <p:txBody>
+          <a:bodyPr wrap="square" rtlCol="0">
+            <a:spAutoFit/>
+          </a:bodyPr>
+          <a:lstStyle/>
+          <a:p>
+            <a:r>
+              <a:rPr lang="en-US" dirty="0"/>
+              <a:t>4.25”</a:t>
+            </a:r>
+          </a:p>
+        </p:txBody>
+      </p:sp>
+      <p:sp>
+        <p:nvSpPr>
+          <p:cNvPr id="11" name="TextBox 10">
+            <a:extLst>
+              <a:ext uri="{FF2B5EF4-FFF2-40B4-BE49-F238E27FC236}">
+                <a16:creationId xmlns:a16="http://schemas.microsoft.com/office/drawing/2014/main" id="{E6FDA362-C8E6-46D9-A221-62AABB63EDD4}"/>
+              </a:ext>
+            </a:extLst>
+          </p:cNvPr>
+          <p:cNvSpPr txBox="1"/>
+          <p:nvPr/>
+        </p:nvSpPr>
+        <p:spPr>
+          <a:xfrm>
+            <a:off x="2466975" y="3244333"/>
+            <a:ext cx="400050" cy="369332"/>
+          </a:xfrm>
+          <a:prstGeom prst="rect">
+            <a:avLst/>
+          </a:prstGeom>
+          <a:noFill/>
+        </p:spPr>
+        <p:txBody>
+          <a:bodyPr wrap="square" rtlCol="0">
+            <a:spAutoFit/>
+          </a:bodyPr>
+          <a:lstStyle/>
+          <a:p>
+            <a:r>
+              <a:rPr lang="en-US" dirty="0"/>
+              <a:t>3”</a:t>
+            </a:r>
+          </a:p>
+        </p:txBody>
+      </p:sp>
+    </p:spTree>
+    <p:extLst>
+      <p:ext uri="{BB962C8B-B14F-4D97-AF65-F5344CB8AC3E}">
+        <p14:creationId xmlns:p14="http://schemas.microsoft.com/office/powerpoint/2010/main" val="224527497"/>
       </p:ext>
     </p:extLst>
   </p:cSld>
